--- a/lecture/Week 1/week1-1.pptx
+++ b/lecture/Week 1/week1-1.pptx
@@ -723,6 +723,90 @@
     <p:extLst>
       <p:ext uri="{BB962C8B-B14F-4D97-AF65-F5344CB8AC3E}">
         <p14:creationId xmlns:p14="http://schemas.microsoft.com/office/powerpoint/2010/main" val="2336134399"/>
+      </p:ext>
+    </p:extLst>
+  </p:cSld>
+  <p:clrMapOvr>
+    <a:masterClrMapping/>
+  </p:clrMapOvr>
+</p:notes>
+</file>
+
+<file path=ppt/notesSlides/notesSlide4.xml><?xml version="1.0" encoding="utf-8"?>
+<p:notes xmlns:a="http://schemas.openxmlformats.org/drawingml/2006/main" xmlns:r="http://schemas.openxmlformats.org/officeDocument/2006/relationships" xmlns:p="http://schemas.openxmlformats.org/presentationml/2006/main">
+  <p:cSld>
+    <p:spTree>
+      <p:nvGrpSpPr>
+        <p:cNvPr id="1" name=""/>
+        <p:cNvGrpSpPr/>
+        <p:nvPr/>
+      </p:nvGrpSpPr>
+      <p:grpSpPr>
+        <a:xfrm>
+          <a:off x="0" y="0"/>
+          <a:ext cx="0" cy="0"/>
+          <a:chOff x="0" y="0"/>
+          <a:chExt cx="0" cy="0"/>
+        </a:xfrm>
+      </p:grpSpPr>
+      <p:sp>
+        <p:nvSpPr>
+          <p:cNvPr id="2" name="슬라이드 이미지 개체 틀 1"/>
+          <p:cNvSpPr>
+            <a:spLocks noGrp="1" noRot="1" noChangeAspect="1"/>
+          </p:cNvSpPr>
+          <p:nvPr>
+            <p:ph type="sldImg"/>
+          </p:nvPr>
+        </p:nvSpPr>
+        <p:spPr/>
+      </p:sp>
+      <p:sp>
+        <p:nvSpPr>
+          <p:cNvPr id="3" name="슬라이드 노트 개체 틀 2"/>
+          <p:cNvSpPr>
+            <a:spLocks noGrp="1"/>
+          </p:cNvSpPr>
+          <p:nvPr>
+            <p:ph type="body" idx="1"/>
+          </p:nvPr>
+        </p:nvSpPr>
+        <p:spPr/>
+        <p:txBody>
+          <a:bodyPr/>
+          <a:lstStyle/>
+          <a:p>
+            <a:endParaRPr lang="ko-KR" altLang="en-US" dirty="0"/>
+          </a:p>
+        </p:txBody>
+      </p:sp>
+      <p:sp>
+        <p:nvSpPr>
+          <p:cNvPr id="4" name="슬라이드 번호 개체 틀 3"/>
+          <p:cNvSpPr>
+            <a:spLocks noGrp="1"/>
+          </p:cNvSpPr>
+          <p:nvPr>
+            <p:ph type="sldNum" sz="quarter" idx="10"/>
+          </p:nvPr>
+        </p:nvSpPr>
+        <p:spPr/>
+        <p:txBody>
+          <a:bodyPr/>
+          <a:lstStyle/>
+          <a:p>
+            <a:fld id="{B26BCC14-AB2D-4C7F-80B9-786F1E9127EB}" type="slidenum">
+              <a:rPr lang="ko-KR" altLang="en-US" smtClean="0"/>
+              <a:t>13</a:t>
+            </a:fld>
+            <a:endParaRPr lang="ko-KR" altLang="en-US"/>
+          </a:p>
+        </p:txBody>
+      </p:sp>
+    </p:spTree>
+    <p:extLst>
+      <p:ext uri="{BB962C8B-B14F-4D97-AF65-F5344CB8AC3E}">
+        <p14:creationId xmlns:p14="http://schemas.microsoft.com/office/powerpoint/2010/main" val="418442892"/>
       </p:ext>
     </p:extLst>
   </p:cSld>
@@ -5408,42 +5492,109 @@
         </p:nvSpPr>
         <p:spPr/>
         <p:txBody>
-          <a:bodyPr/>
+          <a:bodyPr>
+            <a:normAutofit lnSpcReduction="10000"/>
+          </a:bodyPr>
           <a:lstStyle/>
           <a:p>
             <a:r>
               <a:rPr lang="en-US" altLang="ko-KR" dirty="0"/>
               <a:t>Make your variables immutable, </a:t>
             </a:r>
+            <a:endParaRPr lang="en-US" altLang="ko-KR" dirty="0"/>
+          </a:p>
+          <a:p>
+            <a:pPr lvl="1"/>
+            <a:r>
+              <a:rPr lang="en-US" altLang="ko-KR" dirty="0" smtClean="0"/>
+              <a:t>Unless there's a good reason not to</a:t>
+            </a:r>
+          </a:p>
+          <a:p>
             <a:endParaRPr lang="en-US" altLang="ko-KR" dirty="0" smtClean="0"/>
           </a:p>
           <a:p>
             <a:r>
               <a:rPr lang="en-US" altLang="ko-KR" dirty="0" smtClean="0"/>
-              <a:t>unless </a:t>
+              <a:t>benefit </a:t>
             </a:r>
             <a:r>
               <a:rPr lang="en-US" altLang="ko-KR" dirty="0"/>
-              <a:t>there's a good reason not to</a:t>
+              <a:t>of programming </a:t>
             </a:r>
             <a:r>
               <a:rPr lang="en-US" altLang="ko-KR" dirty="0" smtClean="0"/>
-              <a:t>.</a:t>
-            </a:r>
-          </a:p>
-          <a:p>
-            <a:r>
-              <a:rPr lang="en-US" altLang="ko-KR" smtClean="0"/>
-              <a:t> </a:t>
-            </a:r>
+              <a:t>with </a:t>
+            </a:r>
+            <a:r>
+              <a:rPr lang="en-US" altLang="ko-KR" dirty="0"/>
+              <a:t>fewer vars. </a:t>
+            </a:r>
+            <a:endParaRPr lang="en-US" altLang="ko-KR" dirty="0" smtClean="0"/>
+          </a:p>
+          <a:p>
+            <a:pPr lvl="1"/>
+            <a:r>
+              <a:rPr lang="en-US" altLang="ko-KR" dirty="0" smtClean="0"/>
+              <a:t>more </a:t>
+            </a:r>
+            <a:r>
+              <a:rPr lang="en-US" altLang="ko-KR" dirty="0"/>
+              <a:t>concise, and less </a:t>
+            </a:r>
+            <a:r>
+              <a:rPr lang="en-US" altLang="ko-KR" dirty="0" smtClean="0"/>
+              <a:t>error-prone</a:t>
+            </a:r>
+          </a:p>
+          <a:p>
+            <a:pPr lvl="1"/>
+            <a:r>
+              <a:rPr lang="en-US" altLang="ko-KR" dirty="0" smtClean="0"/>
+              <a:t>The </a:t>
+            </a:r>
+            <a:r>
+              <a:rPr lang="en-US" altLang="ko-KR" dirty="0"/>
+              <a:t>reason Scala encourages a functional style, in fact, is that </a:t>
+            </a:r>
+            <a:r>
+              <a:rPr lang="en-US" altLang="ko-KR" dirty="0" smtClean="0"/>
+              <a:t>the </a:t>
+            </a:r>
+            <a:r>
+              <a:rPr lang="en-US" altLang="ko-KR" dirty="0"/>
+              <a:t>functional style can help you write more understandable, less error-prone </a:t>
+            </a:r>
+            <a:r>
+              <a:rPr lang="en-US" altLang="ko-KR" dirty="0" smtClean="0"/>
+              <a:t>code </a:t>
+            </a:r>
+            <a:endParaRPr lang="en-US" altLang="ko-KR" dirty="0" smtClean="0"/>
+          </a:p>
+          <a:p>
+            <a:endParaRPr lang="en-US" altLang="ko-KR" dirty="0" smtClean="0"/>
+          </a:p>
+          <a:p>
+            <a:r>
+              <a:rPr lang="en-US" altLang="ko-KR" dirty="0" smtClean="0"/>
+              <a:t>It’s more than just </a:t>
+            </a:r>
+            <a:r>
+              <a:rPr lang="en-US" altLang="ko-KR" dirty="0" err="1" smtClean="0"/>
+              <a:t>val</a:t>
+            </a:r>
+            <a:r>
+              <a:rPr lang="en-US" altLang="ko-KR" dirty="0" smtClean="0"/>
+              <a:t> versus </a:t>
+            </a:r>
+            <a:r>
+              <a:rPr lang="en-US" altLang="ko-KR" dirty="0" err="1" smtClean="0"/>
+              <a:t>var</a:t>
+            </a:r>
+            <a:endParaRPr lang="en-US" altLang="ko-KR" dirty="0" smtClean="0"/>
+          </a:p>
+          <a:p>
             <a:endParaRPr lang="en-US" altLang="ko-KR" dirty="0"/>
-          </a:p>
-          <a:p>
-            <a:r>
-              <a:rPr lang="ko-KR" altLang="en-US" dirty="0" err="1" smtClean="0"/>
-              <a:t>읽을것</a:t>
-            </a:r>
-            <a:endParaRPr lang="ko-KR" altLang="en-US" dirty="0"/>
           </a:p>
         </p:txBody>
       </p:sp>
@@ -5485,6 +5636,13 @@
   <p:clrMapOvr>
     <a:masterClrMapping/>
   </p:clrMapOvr>
+  <p:timing>
+    <p:tnLst>
+      <p:par>
+        <p:cTn id="1" dur="indefinite" restart="never" nodeType="tmRoot"/>
+      </p:par>
+    </p:tnLst>
+  </p:timing>
 </p:sld>
 </file>
 
